--- a/Slides/Merge-PowerPoint-slide/.NET/Merge-PowerPoint-slide/Data/SourcePresentation.pptx
+++ b/Slides/Merge-PowerPoint-slide/.NET/Merge-PowerPoint-slide/Data/SourcePresentation.pptx
@@ -285,7 +285,7 @@
           <a:p>
             <a:fld id="{8669AFDC-7658-4951-B0FF-52DFF2A93C0A}" type="datetimeFigureOut">
               <a:rPr lang="en-US" dirty="0"/>
-              <a:t>12/28/2022</a:t>
+              <a:t>12/29/2022</a:t>
             </a:fld>
             <a:endParaRPr lang="en-US" dirty="0"/>
           </a:p>
@@ -469,7 +469,7 @@
           <a:p>
             <a:fld id="{3ABD2D7A-D230-4F91-BD59-0A39C2703BA8}" type="datetimeFigureOut">
               <a:rPr lang="en-US" dirty="0"/>
-              <a:t>12/28/2022</a:t>
+              <a:t>12/29/2022</a:t>
             </a:fld>
             <a:endParaRPr lang="en-US" dirty="0"/>
           </a:p>
@@ -886,7 +886,7 @@
           <a:p>
             <a:fld id="{B61BEF0D-F0BB-DE4B-95CE-6DB70DBA9567}" type="datetimeFigureOut">
               <a:rPr lang="en-US" dirty="0"/>
-              <a:t>12/28/2022</a:t>
+              <a:t>12/29/2022</a:t>
             </a:fld>
             <a:endParaRPr lang="en-US" dirty="0"/>
           </a:p>
@@ -953,279 +953,6 @@
 </file>
 
 <file path=ppt/slideLayouts/slideLayout10.xml><?xml version="1.0" encoding="utf-8"?>
-<p:sldLayout xmlns:a="http://schemas.openxmlformats.org/drawingml/2006/main" xmlns:r="http://schemas.openxmlformats.org/officeDocument/2006/relationships" xmlns:p="http://schemas.openxmlformats.org/presentationml/2006/main">
-  <p:cSld name="Picture with Caption">
-    <p:spTree>
-      <p:nvGrpSpPr>
-        <p:cNvPr id="1" name=""/>
-        <p:cNvGrpSpPr/>
-        <p:nvPr/>
-      </p:nvGrpSpPr>
-      <p:grpSpPr>
-        <a:xfrm>
-          <a:off x="0" y="0"/>
-          <a:ext cx="0" cy="0"/>
-          <a:chOff x="0" y="0"/>
-          <a:chExt cx="0" cy="0"/>
-        </a:xfrm>
-      </p:grpSpPr>
-      <p:sp>
-        <p:nvSpPr>
-          <p:cNvPr id="2" name="Title 1"/>
-          <p:cNvSpPr>
-            <a:spLocks noGrp="1"/>
-          </p:cNvSpPr>
-          <p:nvPr>
-            <p:ph type="title"/>
-          </p:nvPr>
-        </p:nvSpPr>
-        <p:spPr bwMode="white">
-          <a:xfrm>
-            <a:off x="839570" y="457200"/>
-            <a:ext cx="3931213" cy="1600200"/>
-          </a:xfrm>
-          <a:ln>
-            <a:headEnd type="none"/>
-            <a:tailEnd type="none"/>
-          </a:ln>
-        </p:spPr>
-        <p:txBody>
-          <a:bodyPr wrap="square" anchor="b"/>
-          <a:lstStyle>
-            <a:lvl1pPr>
-              <a:defRPr sz="3199" dirty="0"/>
-            </a:lvl1pPr>
-          </a:lstStyle>
-          <a:p>
-            <a:r>
-              <a:rPr lang="en-US" dirty="0"/>
-              <a:t>Click to edit Master title style</a:t>
-            </a:r>
-          </a:p>
-        </p:txBody>
-      </p:sp>
-      <p:sp>
-        <p:nvSpPr>
-          <p:cNvPr id="3" name="Picture Placeholder 2"/>
-          <p:cNvSpPr>
-            <a:spLocks noGrp="1"/>
-          </p:cNvSpPr>
-          <p:nvPr>
-            <p:ph type="pic" idx="1"/>
-          </p:nvPr>
-        </p:nvSpPr>
-        <p:spPr bwMode="white">
-          <a:xfrm>
-            <a:off x="5181838" y="987426"/>
-            <a:ext cx="6170593" cy="4873625"/>
-          </a:xfrm>
-          <a:ln>
-            <a:headEnd type="none"/>
-            <a:tailEnd type="none"/>
-          </a:ln>
-        </p:spPr>
-        <p:txBody>
-          <a:bodyPr wrap="square"/>
-          <a:lstStyle>
-            <a:lvl1pPr marL="0" indent="0">
-              <a:buNone/>
-              <a:defRPr sz="3199" dirty="0"/>
-            </a:lvl1pPr>
-            <a:lvl2pPr marL="457063" indent="0">
-              <a:buNone/>
-              <a:defRPr sz="2799" dirty="0"/>
-            </a:lvl2pPr>
-            <a:lvl3pPr marL="914126" indent="0">
-              <a:buNone/>
-              <a:defRPr sz="2399" dirty="0"/>
-            </a:lvl3pPr>
-            <a:lvl4pPr marL="1371189" indent="0">
-              <a:buNone/>
-              <a:defRPr sz="1999" dirty="0"/>
-            </a:lvl4pPr>
-            <a:lvl5pPr marL="1828251" indent="0">
-              <a:buNone/>
-              <a:defRPr sz="1999" dirty="0"/>
-            </a:lvl5pPr>
-            <a:lvl6pPr marL="2285314" indent="0">
-              <a:buNone/>
-              <a:defRPr sz="1999" dirty="0"/>
-            </a:lvl6pPr>
-            <a:lvl7pPr marL="2742377" indent="0">
-              <a:buNone/>
-              <a:defRPr sz="1999" dirty="0"/>
-            </a:lvl7pPr>
-            <a:lvl8pPr marL="3199440" indent="0">
-              <a:buNone/>
-              <a:defRPr sz="1999" dirty="0"/>
-            </a:lvl8pPr>
-            <a:lvl9pPr marL="3656503" indent="0">
-              <a:buNone/>
-              <a:defRPr sz="1999" dirty="0"/>
-            </a:lvl9pPr>
-          </a:lstStyle>
-          <a:p>
-            <a:endParaRPr lang="en-US" dirty="0"/>
-          </a:p>
-        </p:txBody>
-      </p:sp>
-      <p:sp>
-        <p:nvSpPr>
-          <p:cNvPr id="4" name="Text Placeholder 3"/>
-          <p:cNvSpPr>
-            <a:spLocks noGrp="1"/>
-          </p:cNvSpPr>
-          <p:nvPr>
-            <p:ph type="body" sz="half" idx="2"/>
-          </p:nvPr>
-        </p:nvSpPr>
-        <p:spPr bwMode="white">
-          <a:xfrm>
-            <a:off x="839570" y="2057400"/>
-            <a:ext cx="3931213" cy="3811588"/>
-          </a:xfrm>
-          <a:ln>
-            <a:headEnd type="none"/>
-            <a:tailEnd type="none"/>
-          </a:ln>
-        </p:spPr>
-        <p:txBody>
-          <a:bodyPr wrap="square"/>
-          <a:lstStyle>
-            <a:lvl1pPr marL="0" indent="0">
-              <a:buNone/>
-              <a:defRPr sz="1600" dirty="0"/>
-            </a:lvl1pPr>
-            <a:lvl2pPr marL="457063" indent="0">
-              <a:buNone/>
-              <a:defRPr sz="1400" dirty="0"/>
-            </a:lvl2pPr>
-            <a:lvl3pPr marL="914126" indent="0">
-              <a:buNone/>
-              <a:defRPr sz="1200" dirty="0"/>
-            </a:lvl3pPr>
-            <a:lvl4pPr marL="1371189" indent="0">
-              <a:buNone/>
-              <a:defRPr sz="1000" dirty="0"/>
-            </a:lvl4pPr>
-            <a:lvl5pPr marL="1828251" indent="0">
-              <a:buNone/>
-              <a:defRPr sz="1000" dirty="0"/>
-            </a:lvl5pPr>
-            <a:lvl6pPr marL="2285314" indent="0">
-              <a:buNone/>
-              <a:defRPr sz="1000" dirty="0"/>
-            </a:lvl6pPr>
-            <a:lvl7pPr marL="2742377" indent="0">
-              <a:buNone/>
-              <a:defRPr sz="1000" dirty="0"/>
-            </a:lvl7pPr>
-            <a:lvl8pPr marL="3199440" indent="0">
-              <a:buNone/>
-              <a:defRPr sz="1000" dirty="0"/>
-            </a:lvl8pPr>
-            <a:lvl9pPr marL="3656503" indent="0">
-              <a:buNone/>
-              <a:defRPr sz="1000" dirty="0"/>
-            </a:lvl9pPr>
-          </a:lstStyle>
-          <a:p>
-            <a:r>
-              <a:rPr lang="en-US" dirty="0"/>
-              <a:t>Click to edit Master text styles</a:t>
-            </a:r>
-          </a:p>
-        </p:txBody>
-      </p:sp>
-      <p:sp>
-        <p:nvSpPr>
-          <p:cNvPr id="5" name="Date Placeholder 4"/>
-          <p:cNvSpPr>
-            <a:spLocks noGrp="1"/>
-          </p:cNvSpPr>
-          <p:nvPr>
-            <p:ph type="dt" sz="half" idx="10"/>
-          </p:nvPr>
-        </p:nvSpPr>
-        <p:spPr bwMode="white">
-          <a:ln>
-            <a:headEnd type="none"/>
-            <a:tailEnd type="none"/>
-          </a:ln>
-        </p:spPr>
-        <p:txBody>
-          <a:bodyPr wrap="square"/>
-          <a:lstStyle/>
-          <a:p>
-            <a:fld id="{B61BEF0D-F0BB-DE4B-95CE-6DB70DBA9567}" type="datetimeFigureOut">
-              <a:rPr lang="en-US" dirty="0"/>
-              <a:t>12/28/2022</a:t>
-            </a:fld>
-            <a:endParaRPr lang="en-US" dirty="0"/>
-          </a:p>
-        </p:txBody>
-      </p:sp>
-      <p:sp>
-        <p:nvSpPr>
-          <p:cNvPr id="6" name="Footer Placeholder 5"/>
-          <p:cNvSpPr>
-            <a:spLocks noGrp="1"/>
-          </p:cNvSpPr>
-          <p:nvPr>
-            <p:ph type="ftr" sz="quarter" idx="11"/>
-          </p:nvPr>
-        </p:nvSpPr>
-        <p:spPr bwMode="white">
-          <a:ln>
-            <a:headEnd type="none"/>
-            <a:tailEnd type="none"/>
-          </a:ln>
-        </p:spPr>
-        <p:txBody>
-          <a:bodyPr wrap="square"/>
-          <a:lstStyle/>
-          <a:p>
-            <a:endParaRPr lang="en-US" dirty="0"/>
-          </a:p>
-        </p:txBody>
-      </p:sp>
-      <p:sp>
-        <p:nvSpPr>
-          <p:cNvPr id="7" name="Slide Number Placeholder 6"/>
-          <p:cNvSpPr>
-            <a:spLocks noGrp="1"/>
-          </p:cNvSpPr>
-          <p:nvPr>
-            <p:ph type="sldNum" sz="quarter" idx="12"/>
-          </p:nvPr>
-        </p:nvSpPr>
-        <p:spPr bwMode="white">
-          <a:ln>
-            <a:headEnd type="none"/>
-            <a:tailEnd type="none"/>
-          </a:ln>
-        </p:spPr>
-        <p:txBody>
-          <a:bodyPr wrap="square"/>
-          <a:lstStyle/>
-          <a:p>
-            <a:fld id="{D57F1E4F-1CFF-5643-939E-217C01CDF565}" type="slidenum">
-              <a:rPr lang="en-US" dirty="0"/>
-              <a:t>‹#›</a:t>
-            </a:fld>
-            <a:endParaRPr lang="en-US" dirty="0"/>
-          </a:p>
-        </p:txBody>
-      </p:sp>
-    </p:spTree>
-  </p:cSld>
-  <p:clrMapOvr>
-    <a:masterClrMapping/>
-  </p:clrMapOvr>
-</p:sldLayout>
-</file>
-
-<file path=ppt/slideLayouts/slideLayout11.xml><?xml version="1.0" encoding="utf-8"?>
 <p:sldLayout xmlns:a="http://schemas.openxmlformats.org/drawingml/2006/main" xmlns:r="http://schemas.openxmlformats.org/officeDocument/2006/relationships" xmlns:p="http://schemas.openxmlformats.org/presentationml/2006/main">
   <p:cSld name="Title and Vertical Text">
     <p:spTree>
@@ -1346,7 +1073,7 @@
           <a:p>
             <a:fld id="{03F41C87-7AD9-4845-A077-840E4A0F3F06}" type="datetimeFigureOut">
               <a:rPr lang="en-US" dirty="0"/>
-              <a:t>12/28/2022</a:t>
+              <a:t>12/29/2022</a:t>
             </a:fld>
             <a:endParaRPr lang="en-US" dirty="0"/>
           </a:p>
@@ -1412,7 +1139,7 @@
 </p:sldLayout>
 </file>
 
-<file path=ppt/slideLayouts/slideLayout12.xml><?xml version="1.0" encoding="utf-8"?>
+<file path=ppt/slideLayouts/slideLayout11.xml><?xml version="1.0" encoding="utf-8"?>
 <p:sldLayout xmlns:a="http://schemas.openxmlformats.org/drawingml/2006/main" xmlns:r="http://schemas.openxmlformats.org/officeDocument/2006/relationships" xmlns:p="http://schemas.openxmlformats.org/presentationml/2006/main">
   <p:cSld name="Vertical Title and Text">
     <p:spTree>
@@ -1541,7 +1268,7 @@
           <a:p>
             <a:fld id="{03F41C87-7AD9-4845-A077-840E4A0F3F06}" type="datetimeFigureOut">
               <a:rPr lang="en-US" dirty="0"/>
-              <a:t>12/28/2022</a:t>
+              <a:t>12/29/2022</a:t>
             </a:fld>
             <a:endParaRPr lang="en-US" dirty="0"/>
           </a:p>
@@ -1608,147 +1335,6 @@
 </file>
 
 <file path=ppt/slideLayouts/slideLayout2.xml><?xml version="1.0" encoding="utf-8"?>
-<p:sldLayout xmlns:a="http://schemas.openxmlformats.org/drawingml/2006/main" xmlns:r="http://schemas.openxmlformats.org/officeDocument/2006/relationships" xmlns:p="http://schemas.openxmlformats.org/presentationml/2006/main" preserve="1" userDrawn="1">
-  <p:cSld name="CustomSlideLayout">
-    <p:spTree>
-      <p:nvGrpSpPr>
-        <p:cNvPr id="1" name=""/>
-        <p:cNvGrpSpPr/>
-        <p:nvPr/>
-      </p:nvGrpSpPr>
-      <p:grpSpPr>
-        <a:xfrm>
-          <a:off x="0" y="0"/>
-          <a:ext cx="0" cy="0"/>
-          <a:chOff x="0" y="0"/>
-          <a:chExt cx="0" cy="0"/>
-        </a:xfrm>
-      </p:grpSpPr>
-      <p:sp>
-        <p:nvSpPr>
-          <p:cNvPr id="2" name="Title 1">
-            <a:extLst>
-              <a:ext uri="{FF2B5EF4-FFF2-40B4-BE49-F238E27FC236}">
-                <a16:creationId xmlns:a16="http://schemas.microsoft.com/office/drawing/2014/main" id="{81546EC2-DB4A-46EE-8064-46AF3D4AE2E6}"/>
-              </a:ext>
-            </a:extLst>
-          </p:cNvPr>
-          <p:cNvSpPr>
-            <a:spLocks noGrp="1"/>
-          </p:cNvSpPr>
-          <p:nvPr>
-            <p:ph type="title"/>
-          </p:nvPr>
-        </p:nvSpPr>
-        <p:spPr/>
-        <p:txBody>
-          <a:bodyPr/>
-          <a:lstStyle/>
-          <a:p>
-            <a:r>
-              <a:rPr lang="en-US"/>
-              <a:t>Click to edit Master title style</a:t>
-            </a:r>
-          </a:p>
-        </p:txBody>
-      </p:sp>
-      <p:sp>
-        <p:nvSpPr>
-          <p:cNvPr id="3" name="Date Placeholder 2">
-            <a:extLst>
-              <a:ext uri="{FF2B5EF4-FFF2-40B4-BE49-F238E27FC236}">
-                <a16:creationId xmlns:a16="http://schemas.microsoft.com/office/drawing/2014/main" id="{6F2E14CA-2C39-481A-997E-9AA8BE1D4A24}"/>
-              </a:ext>
-            </a:extLst>
-          </p:cNvPr>
-          <p:cNvSpPr>
-            <a:spLocks noGrp="1"/>
-          </p:cNvSpPr>
-          <p:nvPr>
-            <p:ph type="dt" sz="half" idx="10"/>
-          </p:nvPr>
-        </p:nvSpPr>
-        <p:spPr/>
-        <p:txBody>
-          <a:bodyPr/>
-          <a:lstStyle/>
-          <a:p>
-            <a:fld id="{03F41C87-7AD9-4845-A077-840E4A0F3F06}" type="datetimeFigureOut">
-              <a:rPr lang="en-US" smtClean="0"/>
-              <a:t>12/28/2022</a:t>
-            </a:fld>
-            <a:endParaRPr lang="en-US" dirty="0"/>
-          </a:p>
-        </p:txBody>
-      </p:sp>
-      <p:sp>
-        <p:nvSpPr>
-          <p:cNvPr id="4" name="Footer Placeholder 3">
-            <a:extLst>
-              <a:ext uri="{FF2B5EF4-FFF2-40B4-BE49-F238E27FC236}">
-                <a16:creationId xmlns:a16="http://schemas.microsoft.com/office/drawing/2014/main" id="{76227667-D2C4-4403-A072-ABB33E01BB20}"/>
-              </a:ext>
-            </a:extLst>
-          </p:cNvPr>
-          <p:cNvSpPr>
-            <a:spLocks noGrp="1"/>
-          </p:cNvSpPr>
-          <p:nvPr>
-            <p:ph type="ftr" sz="quarter" idx="11"/>
-          </p:nvPr>
-        </p:nvSpPr>
-        <p:spPr/>
-        <p:txBody>
-          <a:bodyPr/>
-          <a:lstStyle/>
-          <a:p>
-            <a:endParaRPr lang="en-US" dirty="0"/>
-          </a:p>
-        </p:txBody>
-      </p:sp>
-      <p:sp>
-        <p:nvSpPr>
-          <p:cNvPr id="5" name="Slide Number Placeholder 4">
-            <a:extLst>
-              <a:ext uri="{FF2B5EF4-FFF2-40B4-BE49-F238E27FC236}">
-                <a16:creationId xmlns:a16="http://schemas.microsoft.com/office/drawing/2014/main" id="{7F80D13E-9AF0-42E6-A1C6-9D53C80BFEFF}"/>
-              </a:ext>
-            </a:extLst>
-          </p:cNvPr>
-          <p:cNvSpPr>
-            <a:spLocks noGrp="1"/>
-          </p:cNvSpPr>
-          <p:nvPr>
-            <p:ph type="sldNum" sz="quarter" idx="12"/>
-          </p:nvPr>
-        </p:nvSpPr>
-        <p:spPr/>
-        <p:txBody>
-          <a:bodyPr/>
-          <a:lstStyle/>
-          <a:p>
-            <a:fld id="{2A013F82-EE5E-44EE-A61D-E31C6657F26F}" type="slidenum">
-              <a:rPr lang="en-US" smtClean="0"/>
-              <a:t>‹#›</a:t>
-            </a:fld>
-            <a:endParaRPr lang="en-US" dirty="0"/>
-          </a:p>
-        </p:txBody>
-      </p:sp>
-    </p:spTree>
-    <p:extLst>
-      <p:ext uri="{BB962C8B-B14F-4D97-AF65-F5344CB8AC3E}">
-        <p14:creationId xmlns:p14="http://schemas.microsoft.com/office/powerpoint/2010/main" val="381420631"/>
-      </p:ext>
-    </p:extLst>
-  </p:cSld>
-  <p:clrMapOvr>
-    <a:masterClrMapping/>
-  </p:clrMapOvr>
-</p:sldLayout>
-</file>
-
-<file path=ppt/slideLayouts/slideLayout3.xml><?xml version="1.0" encoding="utf-8"?>
 <p:sldLayout xmlns:a="http://schemas.openxmlformats.org/drawingml/2006/main" xmlns:r="http://schemas.openxmlformats.org/officeDocument/2006/relationships" xmlns:p="http://schemas.openxmlformats.org/presentationml/2006/main">
   <p:cSld name="Title and Content">
     <p:spTree>
@@ -1869,7 +1455,7 @@
           <a:p>
             <a:fld id="{03F41C87-7AD9-4845-A077-840E4A0F3F06}" type="datetimeFigureOut">
               <a:rPr lang="en-US" dirty="0"/>
-              <a:t>12/28/2022</a:t>
+              <a:t>12/29/2022</a:t>
             </a:fld>
             <a:endParaRPr lang="en-US" dirty="0"/>
           </a:p>
@@ -1935,7 +1521,7 @@
 </p:sldLayout>
 </file>
 
-<file path=ppt/slideLayouts/slideLayout4.xml><?xml version="1.0" encoding="utf-8"?>
+<file path=ppt/slideLayouts/slideLayout3.xml><?xml version="1.0" encoding="utf-8"?>
 <p:sldLayout xmlns:a="http://schemas.openxmlformats.org/drawingml/2006/main" xmlns:r="http://schemas.openxmlformats.org/officeDocument/2006/relationships" xmlns:p="http://schemas.openxmlformats.org/presentationml/2006/main">
   <p:cSld name="Section Header">
     <p:spTree>
@@ -2131,7 +1717,7 @@
           <a:p>
             <a:fld id="{03F41C87-7AD9-4845-A077-840E4A0F3F06}" type="datetimeFigureOut">
               <a:rPr lang="en-US" dirty="0"/>
-              <a:t>12/28/2022</a:t>
+              <a:t>12/29/2022</a:t>
             </a:fld>
             <a:endParaRPr lang="en-US" dirty="0"/>
           </a:p>
@@ -2197,7 +1783,7 @@
 </p:sldLayout>
 </file>
 
-<file path=ppt/slideLayouts/slideLayout5.xml><?xml version="1.0" encoding="utf-8"?>
+<file path=ppt/slideLayouts/slideLayout4.xml><?xml version="1.0" encoding="utf-8"?>
 <p:sldLayout xmlns:a="http://schemas.openxmlformats.org/drawingml/2006/main" xmlns:r="http://schemas.openxmlformats.org/officeDocument/2006/relationships" xmlns:p="http://schemas.openxmlformats.org/presentationml/2006/main">
   <p:cSld name="Two Content">
     <p:spTree>
@@ -2381,7 +1967,7 @@
           <a:p>
             <a:fld id="{03F41C87-7AD9-4845-A077-840E4A0F3F06}" type="datetimeFigureOut">
               <a:rPr lang="en-US" dirty="0"/>
-              <a:t>12/28/2022</a:t>
+              <a:t>12/29/2022</a:t>
             </a:fld>
             <a:endParaRPr lang="en-US" dirty="0"/>
           </a:p>
@@ -2447,7 +2033,7 @@
 </p:sldLayout>
 </file>
 
-<file path=ppt/slideLayouts/slideLayout6.xml><?xml version="1.0" encoding="utf-8"?>
+<file path=ppt/slideLayouts/slideLayout5.xml><?xml version="1.0" encoding="utf-8"?>
 <p:sldLayout xmlns:a="http://schemas.openxmlformats.org/drawingml/2006/main" xmlns:r="http://schemas.openxmlformats.org/officeDocument/2006/relationships" xmlns:p="http://schemas.openxmlformats.org/presentationml/2006/main">
   <p:cSld name="Comparison">
     <p:spTree>
@@ -2771,7 +2357,7 @@
           <a:p>
             <a:fld id="{03F41C87-7AD9-4845-A077-840E4A0F3F06}" type="datetimeFigureOut">
               <a:rPr lang="en-US" dirty="0"/>
-              <a:t>12/28/2022</a:t>
+              <a:t>12/29/2022</a:t>
             </a:fld>
             <a:endParaRPr lang="en-US" dirty="0"/>
           </a:p>
@@ -2837,7 +2423,7 @@
 </p:sldLayout>
 </file>
 
-<file path=ppt/slideLayouts/slideLayout7.xml><?xml version="1.0" encoding="utf-8"?>
+<file path=ppt/slideLayouts/slideLayout6.xml><?xml version="1.0" encoding="utf-8"?>
 <p:sldLayout xmlns:a="http://schemas.openxmlformats.org/drawingml/2006/main" xmlns:r="http://schemas.openxmlformats.org/officeDocument/2006/relationships" xmlns:p="http://schemas.openxmlformats.org/presentationml/2006/main">
   <p:cSld name="Title Only">
     <p:spTree>
@@ -2903,7 +2489,7 @@
           <a:p>
             <a:fld id="{03F41C87-7AD9-4845-A077-840E4A0F3F06}" type="datetimeFigureOut">
               <a:rPr lang="en-US" dirty="0"/>
-              <a:t>12/28/2022</a:t>
+              <a:t>12/29/2022</a:t>
             </a:fld>
             <a:endParaRPr lang="en-US" dirty="0"/>
           </a:p>
@@ -2969,7 +2555,7 @@
 </p:sldLayout>
 </file>
 
-<file path=ppt/slideLayouts/slideLayout8.xml><?xml version="1.0" encoding="utf-8"?>
+<file path=ppt/slideLayouts/slideLayout7.xml><?xml version="1.0" encoding="utf-8"?>
 <p:sldLayout xmlns:a="http://schemas.openxmlformats.org/drawingml/2006/main" xmlns:r="http://schemas.openxmlformats.org/officeDocument/2006/relationships" xmlns:p="http://schemas.openxmlformats.org/presentationml/2006/main">
   <p:cSld name="Blank">
     <p:spTree>
@@ -3008,7 +2594,7 @@
           <a:p>
             <a:fld id="{03F41C87-7AD9-4845-A077-840E4A0F3F06}" type="datetimeFigureOut">
               <a:rPr lang="en-US" dirty="0"/>
-              <a:t>12/28/2022</a:t>
+              <a:t>12/29/2022</a:t>
             </a:fld>
             <a:endParaRPr lang="en-US" dirty="0"/>
           </a:p>
@@ -3074,7 +2660,7 @@
 </p:sldLayout>
 </file>
 
-<file path=ppt/slideLayouts/slideLayout9.xml><?xml version="1.0" encoding="utf-8"?>
+<file path=ppt/slideLayouts/slideLayout8.xml><?xml version="1.0" encoding="utf-8"?>
 <p:sldLayout xmlns:a="http://schemas.openxmlformats.org/drawingml/2006/main" xmlns:r="http://schemas.openxmlformats.org/officeDocument/2006/relationships" xmlns:p="http://schemas.openxmlformats.org/presentationml/2006/main">
   <p:cSld name="Content with Caption">
     <p:spTree>
@@ -3303,7 +2889,7 @@
           <a:p>
             <a:fld id="{03F41C87-7AD9-4845-A077-840E4A0F3F06}" type="datetimeFigureOut">
               <a:rPr lang="en-US" dirty="0"/>
-              <a:t>12/28/2022</a:t>
+              <a:t>12/29/2022</a:t>
             </a:fld>
             <a:endParaRPr lang="en-US" dirty="0"/>
           </a:p>
@@ -3354,6 +2940,279 @@
           <a:lstStyle/>
           <a:p>
             <a:fld id="{2A013F82-EE5E-44EE-A61D-E31C6657F26F}" type="slidenum">
+              <a:rPr lang="en-US" dirty="0"/>
+              <a:t>‹#›</a:t>
+            </a:fld>
+            <a:endParaRPr lang="en-US" dirty="0"/>
+          </a:p>
+        </p:txBody>
+      </p:sp>
+    </p:spTree>
+  </p:cSld>
+  <p:clrMapOvr>
+    <a:masterClrMapping/>
+  </p:clrMapOvr>
+</p:sldLayout>
+</file>
+
+<file path=ppt/slideLayouts/slideLayout9.xml><?xml version="1.0" encoding="utf-8"?>
+<p:sldLayout xmlns:a="http://schemas.openxmlformats.org/drawingml/2006/main" xmlns:r="http://schemas.openxmlformats.org/officeDocument/2006/relationships" xmlns:p="http://schemas.openxmlformats.org/presentationml/2006/main">
+  <p:cSld name="Picture with Caption">
+    <p:spTree>
+      <p:nvGrpSpPr>
+        <p:cNvPr id="1" name=""/>
+        <p:cNvGrpSpPr/>
+        <p:nvPr/>
+      </p:nvGrpSpPr>
+      <p:grpSpPr>
+        <a:xfrm>
+          <a:off x="0" y="0"/>
+          <a:ext cx="0" cy="0"/>
+          <a:chOff x="0" y="0"/>
+          <a:chExt cx="0" cy="0"/>
+        </a:xfrm>
+      </p:grpSpPr>
+      <p:sp>
+        <p:nvSpPr>
+          <p:cNvPr id="2" name="Title 1"/>
+          <p:cNvSpPr>
+            <a:spLocks noGrp="1"/>
+          </p:cNvSpPr>
+          <p:nvPr>
+            <p:ph type="title"/>
+          </p:nvPr>
+        </p:nvSpPr>
+        <p:spPr bwMode="white">
+          <a:xfrm>
+            <a:off x="839570" y="457200"/>
+            <a:ext cx="3931213" cy="1600200"/>
+          </a:xfrm>
+          <a:ln>
+            <a:headEnd type="none"/>
+            <a:tailEnd type="none"/>
+          </a:ln>
+        </p:spPr>
+        <p:txBody>
+          <a:bodyPr wrap="square" anchor="b"/>
+          <a:lstStyle>
+            <a:lvl1pPr>
+              <a:defRPr sz="3199" dirty="0"/>
+            </a:lvl1pPr>
+          </a:lstStyle>
+          <a:p>
+            <a:r>
+              <a:rPr lang="en-US" dirty="0"/>
+              <a:t>Click to edit Master title style</a:t>
+            </a:r>
+          </a:p>
+        </p:txBody>
+      </p:sp>
+      <p:sp>
+        <p:nvSpPr>
+          <p:cNvPr id="3" name="Picture Placeholder 2"/>
+          <p:cNvSpPr>
+            <a:spLocks noGrp="1"/>
+          </p:cNvSpPr>
+          <p:nvPr>
+            <p:ph type="pic" idx="1"/>
+          </p:nvPr>
+        </p:nvSpPr>
+        <p:spPr bwMode="white">
+          <a:xfrm>
+            <a:off x="5181838" y="987426"/>
+            <a:ext cx="6170593" cy="4873625"/>
+          </a:xfrm>
+          <a:ln>
+            <a:headEnd type="none"/>
+            <a:tailEnd type="none"/>
+          </a:ln>
+        </p:spPr>
+        <p:txBody>
+          <a:bodyPr wrap="square"/>
+          <a:lstStyle>
+            <a:lvl1pPr marL="0" indent="0">
+              <a:buNone/>
+              <a:defRPr sz="3199" dirty="0"/>
+            </a:lvl1pPr>
+            <a:lvl2pPr marL="457063" indent="0">
+              <a:buNone/>
+              <a:defRPr sz="2799" dirty="0"/>
+            </a:lvl2pPr>
+            <a:lvl3pPr marL="914126" indent="0">
+              <a:buNone/>
+              <a:defRPr sz="2399" dirty="0"/>
+            </a:lvl3pPr>
+            <a:lvl4pPr marL="1371189" indent="0">
+              <a:buNone/>
+              <a:defRPr sz="1999" dirty="0"/>
+            </a:lvl4pPr>
+            <a:lvl5pPr marL="1828251" indent="0">
+              <a:buNone/>
+              <a:defRPr sz="1999" dirty="0"/>
+            </a:lvl5pPr>
+            <a:lvl6pPr marL="2285314" indent="0">
+              <a:buNone/>
+              <a:defRPr sz="1999" dirty="0"/>
+            </a:lvl6pPr>
+            <a:lvl7pPr marL="2742377" indent="0">
+              <a:buNone/>
+              <a:defRPr sz="1999" dirty="0"/>
+            </a:lvl7pPr>
+            <a:lvl8pPr marL="3199440" indent="0">
+              <a:buNone/>
+              <a:defRPr sz="1999" dirty="0"/>
+            </a:lvl8pPr>
+            <a:lvl9pPr marL="3656503" indent="0">
+              <a:buNone/>
+              <a:defRPr sz="1999" dirty="0"/>
+            </a:lvl9pPr>
+          </a:lstStyle>
+          <a:p>
+            <a:endParaRPr lang="en-US" dirty="0"/>
+          </a:p>
+        </p:txBody>
+      </p:sp>
+      <p:sp>
+        <p:nvSpPr>
+          <p:cNvPr id="4" name="Text Placeholder 3"/>
+          <p:cNvSpPr>
+            <a:spLocks noGrp="1"/>
+          </p:cNvSpPr>
+          <p:nvPr>
+            <p:ph type="body" sz="half" idx="2"/>
+          </p:nvPr>
+        </p:nvSpPr>
+        <p:spPr bwMode="white">
+          <a:xfrm>
+            <a:off x="839570" y="2057400"/>
+            <a:ext cx="3931213" cy="3811588"/>
+          </a:xfrm>
+          <a:ln>
+            <a:headEnd type="none"/>
+            <a:tailEnd type="none"/>
+          </a:ln>
+        </p:spPr>
+        <p:txBody>
+          <a:bodyPr wrap="square"/>
+          <a:lstStyle>
+            <a:lvl1pPr marL="0" indent="0">
+              <a:buNone/>
+              <a:defRPr sz="1600" dirty="0"/>
+            </a:lvl1pPr>
+            <a:lvl2pPr marL="457063" indent="0">
+              <a:buNone/>
+              <a:defRPr sz="1400" dirty="0"/>
+            </a:lvl2pPr>
+            <a:lvl3pPr marL="914126" indent="0">
+              <a:buNone/>
+              <a:defRPr sz="1200" dirty="0"/>
+            </a:lvl3pPr>
+            <a:lvl4pPr marL="1371189" indent="0">
+              <a:buNone/>
+              <a:defRPr sz="1000" dirty="0"/>
+            </a:lvl4pPr>
+            <a:lvl5pPr marL="1828251" indent="0">
+              <a:buNone/>
+              <a:defRPr sz="1000" dirty="0"/>
+            </a:lvl5pPr>
+            <a:lvl6pPr marL="2285314" indent="0">
+              <a:buNone/>
+              <a:defRPr sz="1000" dirty="0"/>
+            </a:lvl6pPr>
+            <a:lvl7pPr marL="2742377" indent="0">
+              <a:buNone/>
+              <a:defRPr sz="1000" dirty="0"/>
+            </a:lvl7pPr>
+            <a:lvl8pPr marL="3199440" indent="0">
+              <a:buNone/>
+              <a:defRPr sz="1000" dirty="0"/>
+            </a:lvl8pPr>
+            <a:lvl9pPr marL="3656503" indent="0">
+              <a:buNone/>
+              <a:defRPr sz="1000" dirty="0"/>
+            </a:lvl9pPr>
+          </a:lstStyle>
+          <a:p>
+            <a:r>
+              <a:rPr lang="en-US" dirty="0"/>
+              <a:t>Click to edit Master text styles</a:t>
+            </a:r>
+          </a:p>
+        </p:txBody>
+      </p:sp>
+      <p:sp>
+        <p:nvSpPr>
+          <p:cNvPr id="5" name="Date Placeholder 4"/>
+          <p:cNvSpPr>
+            <a:spLocks noGrp="1"/>
+          </p:cNvSpPr>
+          <p:nvPr>
+            <p:ph type="dt" sz="half" idx="10"/>
+          </p:nvPr>
+        </p:nvSpPr>
+        <p:spPr bwMode="white">
+          <a:ln>
+            <a:headEnd type="none"/>
+            <a:tailEnd type="none"/>
+          </a:ln>
+        </p:spPr>
+        <p:txBody>
+          <a:bodyPr wrap="square"/>
+          <a:lstStyle/>
+          <a:p>
+            <a:fld id="{B61BEF0D-F0BB-DE4B-95CE-6DB70DBA9567}" type="datetimeFigureOut">
+              <a:rPr lang="en-US" dirty="0"/>
+              <a:t>12/29/2022</a:t>
+            </a:fld>
+            <a:endParaRPr lang="en-US" dirty="0"/>
+          </a:p>
+        </p:txBody>
+      </p:sp>
+      <p:sp>
+        <p:nvSpPr>
+          <p:cNvPr id="6" name="Footer Placeholder 5"/>
+          <p:cNvSpPr>
+            <a:spLocks noGrp="1"/>
+          </p:cNvSpPr>
+          <p:nvPr>
+            <p:ph type="ftr" sz="quarter" idx="11"/>
+          </p:nvPr>
+        </p:nvSpPr>
+        <p:spPr bwMode="white">
+          <a:ln>
+            <a:headEnd type="none"/>
+            <a:tailEnd type="none"/>
+          </a:ln>
+        </p:spPr>
+        <p:txBody>
+          <a:bodyPr wrap="square"/>
+          <a:lstStyle/>
+          <a:p>
+            <a:endParaRPr lang="en-US" dirty="0"/>
+          </a:p>
+        </p:txBody>
+      </p:sp>
+      <p:sp>
+        <p:nvSpPr>
+          <p:cNvPr id="7" name="Slide Number Placeholder 6"/>
+          <p:cNvSpPr>
+            <a:spLocks noGrp="1"/>
+          </p:cNvSpPr>
+          <p:nvPr>
+            <p:ph type="sldNum" sz="quarter" idx="12"/>
+          </p:nvPr>
+        </p:nvSpPr>
+        <p:spPr bwMode="white">
+          <a:ln>
+            <a:headEnd type="none"/>
+            <a:tailEnd type="none"/>
+          </a:ln>
+        </p:spPr>
+        <p:txBody>
+          <a:bodyPr wrap="square"/>
+          <a:lstStyle/>
+          <a:p>
+            <a:fld id="{D57F1E4F-1CFF-5643-939E-217C01CDF565}" type="slidenum">
               <a:rPr lang="en-US" dirty="0"/>
               <a:t>‹#›</a:t>
             </a:fld>
@@ -3533,7 +3392,7 @@
           <a:p>
             <a:fld id="{03F41C87-7AD9-4845-A077-840E4A0F3F06}" type="datetimeFigureOut">
               <a:rPr lang="en-US" dirty="0"/>
-              <a:t>12/28/2022</a:t>
+              <a:t>12/29/2022</a:t>
             </a:fld>
             <a:endParaRPr lang="en-US" dirty="0"/>
           </a:p>
@@ -3630,17 +3489,16 @@
   <p:clrMap bg1="lt1" tx1="dk1" bg2="lt2" tx2="dk2" accent1="accent1" accent2="accent2" accent3="accent3" accent4="accent4" accent5="accent5" accent6="accent6" hlink="hlink" folHlink="folHlink"/>
   <p:sldLayoutIdLst>
     <p:sldLayoutId id="2147483679" r:id="rId1"/>
-    <p:sldLayoutId id="2147483690" r:id="rId2"/>
-    <p:sldLayoutId id="2147483680" r:id="rId3"/>
-    <p:sldLayoutId id="2147483681" r:id="rId4"/>
-    <p:sldLayoutId id="2147483682" r:id="rId5"/>
-    <p:sldLayoutId id="2147483683" r:id="rId6"/>
-    <p:sldLayoutId id="2147483684" r:id="rId7"/>
-    <p:sldLayoutId id="2147483685" r:id="rId8"/>
-    <p:sldLayoutId id="2147483686" r:id="rId9"/>
-    <p:sldLayoutId id="2147483687" r:id="rId10"/>
-    <p:sldLayoutId id="2147483688" r:id="rId11"/>
-    <p:sldLayoutId id="2147483689" r:id="rId12"/>
+    <p:sldLayoutId id="2147483680" r:id="rId2"/>
+    <p:sldLayoutId id="2147483681" r:id="rId3"/>
+    <p:sldLayoutId id="2147483682" r:id="rId4"/>
+    <p:sldLayoutId id="2147483683" r:id="rId5"/>
+    <p:sldLayoutId id="2147483684" r:id="rId6"/>
+    <p:sldLayoutId id="2147483685" r:id="rId7"/>
+    <p:sldLayoutId id="2147483686" r:id="rId8"/>
+    <p:sldLayoutId id="2147483687" r:id="rId9"/>
+    <p:sldLayoutId id="2147483688" r:id="rId10"/>
+    <p:sldLayoutId id="2147483689" r:id="rId11"/>
   </p:sldLayoutIdLst>
   <p:txStyles>
     <p:titleStyle>
@@ -3968,20 +3826,14 @@
           </a:bodyPr>
           <a:lstStyle/>
           <a:p>
-            <a:pPr defTabSz="914126"/>
-            <a:endParaRPr lang="en-US" sz="4000" dirty="0">
-              <a:latin typeface="+mn-lt"/>
-            </a:endParaRPr>
-          </a:p>
-          <a:p>
             <a:pPr algn="ctr" defTabSz="914126"/>
             <a:r>
-              <a:rPr sz="4000" b="1" cap="all" dirty="0">
+              <a:rPr lang="en-US" sz="4000" b="1" dirty="0">
                 <a:latin typeface="+mn-lt"/>
                 <a:ea typeface="Adobe Garamond Pro"/>
                 <a:cs typeface="Adobe Garamond Pro"/>
               </a:rPr>
-              <a:t>Essential Presentation</a:t>
+              <a:t>Adventure Works Cycles</a:t>
             </a:r>
           </a:p>
         </p:txBody>
@@ -3998,8 +3850,8 @@
         </p:nvSpPr>
         <p:spPr bwMode="white">
           <a:xfrm>
-            <a:off x="1216152" y="2441448"/>
-            <a:ext cx="9144000" cy="3121152"/>
+            <a:off x="1522412" y="2209800"/>
+            <a:ext cx="9144000" cy="3048000"/>
           </a:xfrm>
           <a:ln>
             <a:headEnd type="none"/>
@@ -4007,30 +3859,32 @@
           </a:ln>
         </p:spPr>
         <p:txBody>
-          <a:bodyPr wrap="square" anchor="t"/>
-          <a:lstStyle/>
-          <a:p>
-            <a:pPr defTabSz="914126"/>
+          <a:bodyPr wrap="square" anchor="t">
+            <a:normAutofit/>
+          </a:bodyPr>
+          <a:lstStyle/>
+          <a:p>
+            <a:pPr algn="l" defTabSz="914126"/>
             <a:endParaRPr lang="en-US" dirty="0"/>
           </a:p>
           <a:p>
             <a:pPr algn="l" defTabSz="914126"/>
             <a:r>
-              <a:rPr sz="2100" dirty="0">
+              <a:rPr lang="en-US" sz="2100" dirty="0">
                 <a:ea typeface="Adobe Garamond Pro"/>
                 <a:cs typeface="Adobe Garamond Pro"/>
               </a:rPr>
-              <a:t>Lorem ipsum dolor sit amet, lacus amet amet ultricies. Quisque mi venenatis morbi libero, orci dis, mi ut et class porta, massa ligula magna enim, aliquam orci vestibulum tempus.Turpis facilisis vitae consequat, cum a a, turpis dui consequat massa in dolor per, felis non amet.</a:t>
+              <a:t>Adventure Works Cycles, the fictitious company on which the Adventure Works sample databases are based, is a large, multinational manufacturing company. The company manufactures and sells metal and composite bicycles to North American, European and Asian commercial markets. </a:t>
             </a:r>
           </a:p>
           <a:p>
             <a:pPr algn="l" defTabSz="914126"/>
             <a:r>
-              <a:rPr sz="2100" dirty="0">
+              <a:rPr lang="en-US" sz="2100" dirty="0">
                 <a:ea typeface="Adobe Garamond Pro"/>
                 <a:cs typeface="Adobe Garamond Pro"/>
               </a:rPr>
-              <a:t>Turpis facilisis vitae consequat, cum a a, turpis dui consequat massa in dolor per, felis non amet. Auctor eleifend in omnis elit vestibulum, donec non elementum tellus est mauris, id aliquam, at lacus, arcu pretium proin lacus dolor et. Eu tortor, vel ultrices amet dignissim mauris vehicula.</a:t>
+              <a:t>In 2000, Adventure Works Cycles bought a small manufacturing plant, Importadores Neptuno, located in Mexico. Importadores Neptuno manufactures several critical subcomponents for the Adventure Works Cycles product line. These subcomponents are shipped to the Bothell location for final product assembly. </a:t>
             </a:r>
           </a:p>
         </p:txBody>
@@ -4040,18 +3894,6 @@
   <p:clrMapOvr>
     <a:masterClrMapping/>
   </p:clrMapOvr>
-  <mc:AlternateContent xmlns:mc="http://schemas.openxmlformats.org/markup-compatibility/2006" xmlns:p14="http://schemas.microsoft.com/office/powerpoint/2010/main">
-    <mc:Choice Requires="p14">
-      <p:transition spd="med" p14:dur="700">
-        <p:fade/>
-      </p:transition>
-    </mc:Choice>
-    <mc:Fallback xmlns="">
-      <p:transition spd="med">
-        <p:fade/>
-      </p:transition>
-    </mc:Fallback>
-  </mc:AlternateContent>
 </p:sld>
 </file>
 
